--- a/PyCoders_Health_reporter.pptx
+++ b/PyCoders_Health_reporter.pptx
@@ -133,7 +133,7 @@
 
 <file path=ppt/commentAuthors.xml><?xml version="1.0" encoding="utf-8"?>
 <p:cmAuthorLst xmlns:a="http://schemas.openxmlformats.org/drawingml/2006/main" xmlns:r="http://schemas.openxmlformats.org/officeDocument/2006/relationships" xmlns:p="http://schemas.openxmlformats.org/presentationml/2006/main">
-  <p:cmAuthor id="1" name="Mukul Bisht" initials="MB" lastIdx="1" clrIdx="0">
+  <p:cmAuthor id="1" name="Mukul Bisht" initials="MB" lastIdx="2" clrIdx="0">
     <p:extLst>
       <p:ext uri="{19B8F6BF-5375-455C-9EA6-DF929625EA0E}">
         <p15:presenceInfo xmlns:p15="http://schemas.microsoft.com/office/powerpoint/2012/main" userId="f81c7de9223e1611" providerId="Windows Live"/>
@@ -24001,7 +24001,17 @@
             </a:pPr>
             <a:r>
               <a:rPr lang="en-US" sz="1400" dirty="0"/>
-              <a:t>We noticed that there is imbalance between the outcomes, so to improve predictions we oversample the dataset.</a:t>
+              <a:t>We noticed that there is </a:t>
+            </a:r>
+            <a:r>
+              <a:rPr lang="en-US" sz="1400" dirty="0">
+                <a:hlinkClick r:id="rId2" action="ppaction://hlinkfile"/>
+              </a:rPr>
+              <a:t>imbalance</a:t>
+            </a:r>
+            <a:r>
+              <a:rPr lang="en-US" sz="1400" dirty="0"/>
+              <a:t> between the outcomes, so to improve predictions we oversample the dataset.</a:t>
             </a:r>
           </a:p>
           <a:p>
@@ -24088,7 +24098,7 @@
           <p:nvPr/>
         </p:nvPicPr>
         <p:blipFill>
-          <a:blip r:embed="rId2"/>
+          <a:blip r:embed="rId3"/>
           <a:stretch>
             <a:fillRect/>
           </a:stretch>
@@ -24134,7 +24144,7 @@
           <p:nvPr/>
         </p:nvPicPr>
         <p:blipFill>
-          <a:blip r:embed="rId3"/>
+          <a:blip r:embed="rId4"/>
           <a:stretch>
             <a:fillRect/>
           </a:stretch>
@@ -24231,7 +24241,7 @@
           <p:nvPr/>
         </p:nvPicPr>
         <p:blipFill>
-          <a:blip r:embed="rId4"/>
+          <a:blip r:embed="rId5"/>
           <a:stretch>
             <a:fillRect/>
           </a:stretch>
@@ -24277,7 +24287,7 @@
           <p:nvPr/>
         </p:nvPicPr>
         <p:blipFill>
-          <a:blip r:embed="rId5"/>
+          <a:blip r:embed="rId6"/>
           <a:stretch>
             <a:fillRect/>
           </a:stretch>
@@ -26926,12 +26936,23 @@
 </file>
 
 <file path=customXml/item1.xml><?xml version="1.0" encoding="utf-8"?>
-<?mso-contentType ?>
-<FormTemplates xmlns="http://schemas.microsoft.com/sharepoint/v3/contenttype/forms">
-  <Display>DocumentLibraryForm</Display>
-  <Edit>DocumentLibraryForm</Edit>
-  <New>DocumentLibraryForm</New>
-</FormTemplates>
+<p:properties xmlns:p="http://schemas.microsoft.com/office/2006/metadata/properties" xmlns:xsi="http://www.w3.org/2001/XMLSchema-instance" xmlns:pc="http://schemas.microsoft.com/office/infopath/2007/PartnerControls">
+  <documentManagement>
+    <_ip_UnifiedCompliancePolicyUIAction xmlns="http://schemas.microsoft.com/sharepoint/v3" xsi:nil="true"/>
+    <Image xmlns="71af3243-3dd4-4a8d-8c0d-dd76da1f02a5">
+      <Url xsi:nil="true"/>
+      <Description xsi:nil="true"/>
+    </Image>
+    <Status xmlns="71af3243-3dd4-4a8d-8c0d-dd76da1f02a5">Not started</Status>
+    <Background xmlns="71af3243-3dd4-4a8d-8c0d-dd76da1f02a5">false</Background>
+    <_ip_UnifiedCompliancePolicyProperties xmlns="http://schemas.microsoft.com/sharepoint/v3" xsi:nil="true"/>
+    <ImageTagsTaxHTField xmlns="71af3243-3dd4-4a8d-8c0d-dd76da1f02a5">
+      <Terms xmlns="http://schemas.microsoft.com/office/infopath/2007/PartnerControls"/>
+    </ImageTagsTaxHTField>
+    <TaxCatchAll xmlns="230e9df3-be65-4c73-a93b-d1236ebd677e" xsi:nil="true"/>
+    <MediaServiceKeyPoints xmlns="71af3243-3dd4-4a8d-8c0d-dd76da1f02a5" xsi:nil="true"/>
+  </documentManagement>
+</p:properties>
 </file>
 
 <file path=customXml/item2.xml><?xml version="1.0" encoding="utf-8"?>
@@ -27235,29 +27256,22 @@
 </file>
 
 <file path=customXml/item3.xml><?xml version="1.0" encoding="utf-8"?>
-<p:properties xmlns:p="http://schemas.microsoft.com/office/2006/metadata/properties" xmlns:xsi="http://www.w3.org/2001/XMLSchema-instance" xmlns:pc="http://schemas.microsoft.com/office/infopath/2007/PartnerControls">
-  <documentManagement>
-    <_ip_UnifiedCompliancePolicyUIAction xmlns="http://schemas.microsoft.com/sharepoint/v3" xsi:nil="true"/>
-    <Image xmlns="71af3243-3dd4-4a8d-8c0d-dd76da1f02a5">
-      <Url xsi:nil="true"/>
-      <Description xsi:nil="true"/>
-    </Image>
-    <Status xmlns="71af3243-3dd4-4a8d-8c0d-dd76da1f02a5">Not started</Status>
-    <Background xmlns="71af3243-3dd4-4a8d-8c0d-dd76da1f02a5">false</Background>
-    <_ip_UnifiedCompliancePolicyProperties xmlns="http://schemas.microsoft.com/sharepoint/v3" xsi:nil="true"/>
-    <ImageTagsTaxHTField xmlns="71af3243-3dd4-4a8d-8c0d-dd76da1f02a5">
-      <Terms xmlns="http://schemas.microsoft.com/office/infopath/2007/PartnerControls"/>
-    </ImageTagsTaxHTField>
-    <TaxCatchAll xmlns="230e9df3-be65-4c73-a93b-d1236ebd677e" xsi:nil="true"/>
-    <MediaServiceKeyPoints xmlns="71af3243-3dd4-4a8d-8c0d-dd76da1f02a5" xsi:nil="true"/>
-  </documentManagement>
-</p:properties>
+<?mso-contentType ?>
+<FormTemplates xmlns="http://schemas.microsoft.com/sharepoint/v3/contenttype/forms">
+  <Display>DocumentLibraryForm</Display>
+  <Edit>DocumentLibraryForm</Edit>
+  <New>DocumentLibraryForm</New>
+</FormTemplates>
 </file>
 
 <file path=customXml/itemProps1.xml><?xml version="1.0" encoding="utf-8"?>
-<ds:datastoreItem xmlns:ds="http://schemas.openxmlformats.org/officeDocument/2006/customXml" ds:itemID="{40488788-02F3-4614-A0E2-F208657CDF06}">
+<ds:datastoreItem xmlns:ds="http://schemas.openxmlformats.org/officeDocument/2006/customXml" ds:itemID="{A344A853-FA74-45B4-AE5F-B3796F4BB94C}">
   <ds:schemaRefs>
-    <ds:schemaRef ds:uri="http://schemas.microsoft.com/sharepoint/v3/contenttype/forms"/>
+    <ds:schemaRef ds:uri="http://schemas.microsoft.com/office/2006/metadata/properties"/>
+    <ds:schemaRef ds:uri="http://schemas.microsoft.com/office/infopath/2007/PartnerControls"/>
+    <ds:schemaRef ds:uri="http://schemas.microsoft.com/sharepoint/v3"/>
+    <ds:schemaRef ds:uri="71af3243-3dd4-4a8d-8c0d-dd76da1f02a5"/>
+    <ds:schemaRef ds:uri="230e9df3-be65-4c73-a93b-d1236ebd677e"/>
   </ds:schemaRefs>
 </ds:datastoreItem>
 </file>
@@ -27284,13 +27298,9 @@
 </file>
 
 <file path=customXml/itemProps3.xml><?xml version="1.0" encoding="utf-8"?>
-<ds:datastoreItem xmlns:ds="http://schemas.openxmlformats.org/officeDocument/2006/customXml" ds:itemID="{A344A853-FA74-45B4-AE5F-B3796F4BB94C}">
+<ds:datastoreItem xmlns:ds="http://schemas.openxmlformats.org/officeDocument/2006/customXml" ds:itemID="{40488788-02F3-4614-A0E2-F208657CDF06}">
   <ds:schemaRefs>
-    <ds:schemaRef ds:uri="http://schemas.microsoft.com/office/2006/metadata/properties"/>
-    <ds:schemaRef ds:uri="http://schemas.microsoft.com/office/infopath/2007/PartnerControls"/>
-    <ds:schemaRef ds:uri="http://schemas.microsoft.com/sharepoint/v3"/>
-    <ds:schemaRef ds:uri="71af3243-3dd4-4a8d-8c0d-dd76da1f02a5"/>
-    <ds:schemaRef ds:uri="230e9df3-be65-4c73-a93b-d1236ebd677e"/>
+    <ds:schemaRef ds:uri="http://schemas.microsoft.com/sharepoint/v3/contenttype/forms"/>
   </ds:schemaRefs>
 </ds:datastoreItem>
 </file>

--- a/PyCoders_Health_reporter.pptx
+++ b/PyCoders_Health_reporter.pptx
@@ -25550,7 +25550,7 @@
         </p:blipFill>
         <p:spPr>
           <a:xfrm>
-            <a:off x="6454604" y="1908826"/>
+            <a:off x="6454602" y="1908826"/>
             <a:ext cx="4661681" cy="1631328"/>
           </a:xfrm>
           <a:prstGeom prst="rect">
@@ -26936,23 +26936,12 @@
 </file>
 
 <file path=customXml/item1.xml><?xml version="1.0" encoding="utf-8"?>
-<p:properties xmlns:p="http://schemas.microsoft.com/office/2006/metadata/properties" xmlns:xsi="http://www.w3.org/2001/XMLSchema-instance" xmlns:pc="http://schemas.microsoft.com/office/infopath/2007/PartnerControls">
-  <documentManagement>
-    <_ip_UnifiedCompliancePolicyUIAction xmlns="http://schemas.microsoft.com/sharepoint/v3" xsi:nil="true"/>
-    <Image xmlns="71af3243-3dd4-4a8d-8c0d-dd76da1f02a5">
-      <Url xsi:nil="true"/>
-      <Description xsi:nil="true"/>
-    </Image>
-    <Status xmlns="71af3243-3dd4-4a8d-8c0d-dd76da1f02a5">Not started</Status>
-    <Background xmlns="71af3243-3dd4-4a8d-8c0d-dd76da1f02a5">false</Background>
-    <_ip_UnifiedCompliancePolicyProperties xmlns="http://schemas.microsoft.com/sharepoint/v3" xsi:nil="true"/>
-    <ImageTagsTaxHTField xmlns="71af3243-3dd4-4a8d-8c0d-dd76da1f02a5">
-      <Terms xmlns="http://schemas.microsoft.com/office/infopath/2007/PartnerControls"/>
-    </ImageTagsTaxHTField>
-    <TaxCatchAll xmlns="230e9df3-be65-4c73-a93b-d1236ebd677e" xsi:nil="true"/>
-    <MediaServiceKeyPoints xmlns="71af3243-3dd4-4a8d-8c0d-dd76da1f02a5" xsi:nil="true"/>
-  </documentManagement>
-</p:properties>
+<?mso-contentType ?>
+<FormTemplates xmlns="http://schemas.microsoft.com/sharepoint/v3/contenttype/forms">
+  <Display>DocumentLibraryForm</Display>
+  <Edit>DocumentLibraryForm</Edit>
+  <New>DocumentLibraryForm</New>
+</FormTemplates>
 </file>
 
 <file path=customXml/item2.xml><?xml version="1.0" encoding="utf-8"?>
@@ -27256,22 +27245,29 @@
 </file>
 
 <file path=customXml/item3.xml><?xml version="1.0" encoding="utf-8"?>
-<?mso-contentType ?>
-<FormTemplates xmlns="http://schemas.microsoft.com/sharepoint/v3/contenttype/forms">
-  <Display>DocumentLibraryForm</Display>
-  <Edit>DocumentLibraryForm</Edit>
-  <New>DocumentLibraryForm</New>
-</FormTemplates>
+<p:properties xmlns:p="http://schemas.microsoft.com/office/2006/metadata/properties" xmlns:xsi="http://www.w3.org/2001/XMLSchema-instance" xmlns:pc="http://schemas.microsoft.com/office/infopath/2007/PartnerControls">
+  <documentManagement>
+    <_ip_UnifiedCompliancePolicyUIAction xmlns="http://schemas.microsoft.com/sharepoint/v3" xsi:nil="true"/>
+    <Image xmlns="71af3243-3dd4-4a8d-8c0d-dd76da1f02a5">
+      <Url xsi:nil="true"/>
+      <Description xsi:nil="true"/>
+    </Image>
+    <Status xmlns="71af3243-3dd4-4a8d-8c0d-dd76da1f02a5">Not started</Status>
+    <Background xmlns="71af3243-3dd4-4a8d-8c0d-dd76da1f02a5">false</Background>
+    <_ip_UnifiedCompliancePolicyProperties xmlns="http://schemas.microsoft.com/sharepoint/v3" xsi:nil="true"/>
+    <ImageTagsTaxHTField xmlns="71af3243-3dd4-4a8d-8c0d-dd76da1f02a5">
+      <Terms xmlns="http://schemas.microsoft.com/office/infopath/2007/PartnerControls"/>
+    </ImageTagsTaxHTField>
+    <TaxCatchAll xmlns="230e9df3-be65-4c73-a93b-d1236ebd677e" xsi:nil="true"/>
+    <MediaServiceKeyPoints xmlns="71af3243-3dd4-4a8d-8c0d-dd76da1f02a5" xsi:nil="true"/>
+  </documentManagement>
+</p:properties>
 </file>
 
 <file path=customXml/itemProps1.xml><?xml version="1.0" encoding="utf-8"?>
-<ds:datastoreItem xmlns:ds="http://schemas.openxmlformats.org/officeDocument/2006/customXml" ds:itemID="{A344A853-FA74-45B4-AE5F-B3796F4BB94C}">
+<ds:datastoreItem xmlns:ds="http://schemas.openxmlformats.org/officeDocument/2006/customXml" ds:itemID="{40488788-02F3-4614-A0E2-F208657CDF06}">
   <ds:schemaRefs>
-    <ds:schemaRef ds:uri="http://schemas.microsoft.com/office/2006/metadata/properties"/>
-    <ds:schemaRef ds:uri="http://schemas.microsoft.com/office/infopath/2007/PartnerControls"/>
-    <ds:schemaRef ds:uri="http://schemas.microsoft.com/sharepoint/v3"/>
-    <ds:schemaRef ds:uri="71af3243-3dd4-4a8d-8c0d-dd76da1f02a5"/>
-    <ds:schemaRef ds:uri="230e9df3-be65-4c73-a93b-d1236ebd677e"/>
+    <ds:schemaRef ds:uri="http://schemas.microsoft.com/sharepoint/v3/contenttype/forms"/>
   </ds:schemaRefs>
 </ds:datastoreItem>
 </file>
@@ -27298,9 +27294,13 @@
 </file>
 
 <file path=customXml/itemProps3.xml><?xml version="1.0" encoding="utf-8"?>
-<ds:datastoreItem xmlns:ds="http://schemas.openxmlformats.org/officeDocument/2006/customXml" ds:itemID="{40488788-02F3-4614-A0E2-F208657CDF06}">
+<ds:datastoreItem xmlns:ds="http://schemas.openxmlformats.org/officeDocument/2006/customXml" ds:itemID="{A344A853-FA74-45B4-AE5F-B3796F4BB94C}">
   <ds:schemaRefs>
-    <ds:schemaRef ds:uri="http://schemas.microsoft.com/sharepoint/v3/contenttype/forms"/>
+    <ds:schemaRef ds:uri="http://schemas.microsoft.com/office/2006/metadata/properties"/>
+    <ds:schemaRef ds:uri="http://schemas.microsoft.com/office/infopath/2007/PartnerControls"/>
+    <ds:schemaRef ds:uri="http://schemas.microsoft.com/sharepoint/v3"/>
+    <ds:schemaRef ds:uri="71af3243-3dd4-4a8d-8c0d-dd76da1f02a5"/>
+    <ds:schemaRef ds:uri="230e9df3-be65-4c73-a93b-d1236ebd677e"/>
   </ds:schemaRefs>
 </ds:datastoreItem>
 </file>
